--- a/SchulungTagTwo.pptx
+++ b/SchulungTagTwo.pptx
@@ -5,14 +5,15 @@
     <p:sldMasterId id="2147483648" r:id="rId1"/>
   </p:sldMasterIdLst>
   <p:notesMasterIdLst>
-    <p:notesMasterId r:id="rId4"/>
+    <p:notesMasterId r:id="rId5"/>
   </p:notesMasterIdLst>
   <p:handoutMasterIdLst>
-    <p:handoutMasterId r:id="rId5"/>
+    <p:handoutMasterId r:id="rId6"/>
   </p:handoutMasterIdLst>
   <p:sldIdLst>
     <p:sldId id="419" r:id="rId2"/>
     <p:sldId id="508" r:id="rId3"/>
+    <p:sldId id="509" r:id="rId4"/>
   </p:sldIdLst>
   <p:sldSz cx="12190413" cy="6858000"/>
   <p:notesSz cx="6858000" cy="9144000"/>
@@ -252,7 +253,7 @@
           <a:p>
             <a:fld id="{41BB4776-E862-4259-8D7E-43E52EE34E2B}" type="datetimeFigureOut">
               <a:rPr lang="de-DE" smtClean="0"/>
-              <a:t>23.06.2017</a:t>
+              <a:t>17.09.2018</a:t>
             </a:fld>
             <a:endParaRPr lang="de-DE"/>
           </a:p>
@@ -417,7 +418,7 @@
           <a:p>
             <a:fld id="{3286EA01-012F-44B4-B04A-2E9F36D7EA1B}" type="datetimeFigureOut">
               <a:rPr lang="de-DE" smtClean="0"/>
-              <a:t>23.06.2017</a:t>
+              <a:t>17.09.2018</a:t>
             </a:fld>
             <a:endParaRPr lang="de-DE"/>
           </a:p>
@@ -822,7 +823,7 @@
           <a:p>
             <a:fld id="{8DD67CAD-1613-4D7E-A67A-6C8F24D20604}" type="datetime1">
               <a:rPr lang="de-DE" smtClean="0"/>
-              <a:t>23.06.2017</a:t>
+              <a:t>17.09.2018</a:t>
             </a:fld>
             <a:endParaRPr lang="de-DE" dirty="0"/>
           </a:p>
@@ -13580,7 +13581,7 @@
           <a:p>
             <a:fld id="{352F98C2-72F4-4D8D-9E9F-8BF9C16B6E10}" type="datetime1">
               <a:rPr lang="de-DE" smtClean="0"/>
-              <a:t>23.06.2017</a:t>
+              <a:t>17.09.2018</a:t>
             </a:fld>
             <a:endParaRPr lang="de-DE" dirty="0"/>
           </a:p>
@@ -13882,7 +13883,7 @@
           <a:p>
             <a:fld id="{F2475895-842D-45D0-ABEF-5040E7628EFA}" type="datetime1">
               <a:rPr lang="de-DE" smtClean="0"/>
-              <a:t>23.06.2017</a:t>
+              <a:t>17.09.2018</a:t>
             </a:fld>
             <a:endParaRPr lang="de-DE" dirty="0"/>
           </a:p>
@@ -14008,7 +14009,7 @@
           <a:p>
             <a:fld id="{F2475895-842D-45D0-ABEF-5040E7628EFA}" type="datetime1">
               <a:rPr lang="de-DE" noProof="0" smtClean="0"/>
-              <a:t>23.06.2017</a:t>
+              <a:t>17.09.2018</a:t>
             </a:fld>
             <a:endParaRPr lang="de-DE" noProof="0" dirty="0"/>
           </a:p>
@@ -14756,7 +14757,7 @@
           <a:p>
             <a:fld id="{60135BEE-B55A-4736-AF38-B03D6B130356}" type="datetime1">
               <a:rPr lang="de-DE" smtClean="0"/>
-              <a:t>23.06.2017</a:t>
+              <a:t>17.09.2018</a:t>
             </a:fld>
             <a:endParaRPr lang="de-DE" dirty="0"/>
           </a:p>
@@ -19001,7 +19002,7 @@
           <a:p>
             <a:fld id="{9CA0ED9B-F3B7-415A-997F-D50608E3FB22}" type="datetime1">
               <a:rPr lang="de-DE" smtClean="0"/>
-              <a:t>23.06.2017</a:t>
+              <a:t>17.09.2018</a:t>
             </a:fld>
             <a:endParaRPr lang="de-DE" dirty="0"/>
           </a:p>
@@ -23639,7 +23640,7 @@
           <a:p>
             <a:fld id="{2BFF9001-7640-49B1-81FB-204F11743322}" type="datetime1">
               <a:rPr lang="de-DE" smtClean="0"/>
-              <a:t>23.06.2017</a:t>
+              <a:t>17.09.2018</a:t>
             </a:fld>
             <a:endParaRPr lang="de-DE" dirty="0"/>
           </a:p>
@@ -24193,7 +24194,7 @@
           <a:p>
             <a:fld id="{B162CB75-139D-41B8-8105-729C6560794C}" type="datetime1">
               <a:rPr lang="de-DE" smtClean="0"/>
-              <a:t>23.06.2017</a:t>
+              <a:t>17.09.2018</a:t>
             </a:fld>
             <a:endParaRPr lang="de-DE" dirty="0"/>
           </a:p>
@@ -24749,7 +24750,7 @@
           <a:p>
             <a:fld id="{F40A7F36-96F7-4B81-9207-81933648D56F}" type="datetime1">
               <a:rPr lang="de-DE" smtClean="0"/>
-              <a:t>23.06.2017</a:t>
+              <a:t>17.09.2018</a:t>
             </a:fld>
             <a:endParaRPr lang="de-DE" dirty="0"/>
           </a:p>
@@ -25127,7 +25128,7 @@
           <a:p>
             <a:fld id="{0E4F4DD8-0999-4BD8-B011-94476A5B8E54}" type="datetime1">
               <a:rPr lang="de-DE" smtClean="0"/>
-              <a:t>23.06.2017</a:t>
+              <a:t>17.09.2018</a:t>
             </a:fld>
             <a:endParaRPr lang="de-DE" dirty="0"/>
           </a:p>
@@ -25462,7 +25463,7 @@
           <a:p>
             <a:fld id="{817F313D-1401-4EA8-BE4C-29EFCB5397E1}" type="datetime1">
               <a:rPr lang="de-DE" smtClean="0"/>
-              <a:t>23.06.2017</a:t>
+              <a:t>17.09.2018</a:t>
             </a:fld>
             <a:endParaRPr lang="de-DE" dirty="0"/>
           </a:p>
@@ -25889,7 +25890,7 @@
           <a:p>
             <a:fld id="{ADED0DCE-1C55-43D7-A1AD-9C229AA2E101}" type="datetime1">
               <a:rPr lang="de-DE" smtClean="0"/>
-              <a:t>23.06.2017</a:t>
+              <a:t>17.09.2018</a:t>
             </a:fld>
             <a:endParaRPr lang="de-DE" dirty="0"/>
           </a:p>
@@ -26489,7 +26490,7 @@
           <a:p>
             <a:fld id="{E83C6AD1-BB17-43D7-9785-812D00370789}" type="datetime1">
               <a:rPr lang="de-DE" smtClean="0"/>
-              <a:t>23.06.2017</a:t>
+              <a:t>17.09.2018</a:t>
             </a:fld>
             <a:endParaRPr lang="de-DE" dirty="0"/>
           </a:p>
@@ -27320,7 +27321,7 @@
           <a:p>
             <a:fld id="{F2475895-842D-45D0-ABEF-5040E7628EFA}" type="datetime1">
               <a:rPr lang="de-DE" smtClean="0"/>
-              <a:t>23.06.2017</a:t>
+              <a:t>17.09.2018</a:t>
             </a:fld>
             <a:endParaRPr lang="de-DE" dirty="0"/>
           </a:p>
@@ -27596,7 +27597,7 @@
             <a:fld id="{60135BEE-B55A-4736-AF38-B03D6B130356}" type="datetime1">
               <a:rPr lang="de-DE" smtClean="0"/>
               <a:pPr/>
-              <a:t>23.06.2017</a:t>
+              <a:t>17.09.2018</a:t>
             </a:fld>
             <a:endParaRPr lang="de-DE" dirty="0"/>
           </a:p>
@@ -28029,6 +28030,175 @@
     <p:extLst>
       <p:ext uri="{BB962C8B-B14F-4D97-AF65-F5344CB8AC3E}">
         <p14:creationId xmlns:p14="http://schemas.microsoft.com/office/powerpoint/2010/main" val="1650970904"/>
+      </p:ext>
+    </p:extLst>
+  </p:cSld>
+  <p:clrMapOvr>
+    <a:masterClrMapping/>
+  </p:clrMapOvr>
+  <mc:AlternateContent xmlns:mc="http://schemas.openxmlformats.org/markup-compatibility/2006" xmlns:p14="http://schemas.microsoft.com/office/powerpoint/2010/main">
+    <mc:Choice Requires="p14">
+      <p:transition spd="med" p14:dur="700">
+        <p:fade/>
+      </p:transition>
+    </mc:Choice>
+    <mc:Fallback xmlns="">
+      <p:transition spd="med">
+        <p:fade/>
+      </p:transition>
+    </mc:Fallback>
+  </mc:AlternateContent>
+  <p:timing>
+    <p:tnLst>
+      <p:par>
+        <p:cTn id="1" dur="indefinite" restart="never" nodeType="tmRoot"/>
+      </p:par>
+    </p:tnLst>
+  </p:timing>
+</p:sld>
+</file>
+
+<file path=ppt/slides/slide3.xml><?xml version="1.0" encoding="utf-8"?>
+<p:sld xmlns:a="http://schemas.openxmlformats.org/drawingml/2006/main" xmlns:r="http://schemas.openxmlformats.org/officeDocument/2006/relationships" xmlns:p="http://schemas.openxmlformats.org/presentationml/2006/main">
+  <p:cSld>
+    <p:spTree>
+      <p:nvGrpSpPr>
+        <p:cNvPr id="1" name=""/>
+        <p:cNvGrpSpPr/>
+        <p:nvPr/>
+      </p:nvGrpSpPr>
+      <p:grpSpPr>
+        <a:xfrm>
+          <a:off x="0" y="0"/>
+          <a:ext cx="0" cy="0"/>
+          <a:chOff x="0" y="0"/>
+          <a:chExt cx="0" cy="0"/>
+        </a:xfrm>
+      </p:grpSpPr>
+      <p:sp>
+        <p:nvSpPr>
+          <p:cNvPr id="6" name="Fußzeilenplatzhalter 5"/>
+          <p:cNvSpPr>
+            <a:spLocks noGrp="1"/>
+          </p:cNvSpPr>
+          <p:nvPr>
+            <p:ph type="ftr" sz="quarter" idx="10"/>
+          </p:nvPr>
+        </p:nvSpPr>
+        <p:spPr bwMode="gray"/>
+        <p:txBody>
+          <a:bodyPr/>
+          <a:lstStyle/>
+          <a:p>
+            <a:r>
+              <a:rPr lang="en-US" dirty="0" smtClean="0"/>
+              <a:t>Python </a:t>
+            </a:r>
+            <a:r>
+              <a:rPr lang="en-US" dirty="0" err="1" smtClean="0"/>
+              <a:t>für</a:t>
+            </a:r>
+            <a:r>
+              <a:rPr lang="en-US" dirty="0" smtClean="0"/>
+              <a:t> Data Science and Friends</a:t>
+            </a:r>
+            <a:endParaRPr lang="de-DE" dirty="0"/>
+          </a:p>
+        </p:txBody>
+      </p:sp>
+      <p:sp>
+        <p:nvSpPr>
+          <p:cNvPr id="7" name="Foliennummernplatzhalter 6"/>
+          <p:cNvSpPr>
+            <a:spLocks noGrp="1"/>
+          </p:cNvSpPr>
+          <p:nvPr>
+            <p:ph type="sldNum" sz="quarter" idx="11"/>
+          </p:nvPr>
+        </p:nvSpPr>
+        <p:spPr bwMode="gray"/>
+        <p:txBody>
+          <a:bodyPr/>
+          <a:lstStyle/>
+          <a:p>
+            <a:fld id="{1EFD4013-5D99-4478-9DDB-9EE12D4A988A}" type="slidenum">
+              <a:rPr lang="de-DE" smtClean="0"/>
+              <a:t>3</a:t>
+            </a:fld>
+            <a:endParaRPr lang="de-DE" dirty="0"/>
+          </a:p>
+        </p:txBody>
+      </p:sp>
+      <p:sp>
+        <p:nvSpPr>
+          <p:cNvPr id="5" name="Datumsplatzhalter 4"/>
+          <p:cNvSpPr>
+            <a:spLocks noGrp="1"/>
+          </p:cNvSpPr>
+          <p:nvPr>
+            <p:ph type="dt" sz="half" idx="12"/>
+          </p:nvPr>
+        </p:nvSpPr>
+        <p:spPr bwMode="gray"/>
+        <p:txBody>
+          <a:bodyPr/>
+          <a:lstStyle/>
+          <a:p>
+            <a:fld id="{0E4F4DD8-0999-4BD8-B011-94476A5B8E54}" type="datetime1">
+              <a:rPr lang="de-DE" smtClean="0"/>
+              <a:t>17.09.2018</a:t>
+            </a:fld>
+            <a:endParaRPr lang="de-DE" dirty="0"/>
+          </a:p>
+        </p:txBody>
+      </p:sp>
+      <p:sp>
+        <p:nvSpPr>
+          <p:cNvPr id="8" name="Titel 7"/>
+          <p:cNvSpPr>
+            <a:spLocks noGrp="1"/>
+          </p:cNvSpPr>
+          <p:nvPr>
+            <p:ph type="title"/>
+          </p:nvPr>
+        </p:nvSpPr>
+        <p:spPr bwMode="gray"/>
+        <p:txBody>
+          <a:bodyPr/>
+          <a:lstStyle/>
+          <a:p>
+            <a:r>
+              <a:rPr lang="en-US" dirty="0" err="1" smtClean="0"/>
+              <a:t>Weiter</a:t>
+            </a:r>
+            <a:r>
+              <a:rPr lang="en-US" dirty="0" smtClean="0"/>
+              <a:t> </a:t>
+            </a:r>
+            <a:r>
+              <a:rPr lang="en-US" dirty="0" err="1" smtClean="0"/>
+              <a:t>mit</a:t>
+            </a:r>
+            <a:r>
+              <a:rPr lang="en-US" dirty="0" smtClean="0"/>
+              <a:t> </a:t>
+            </a:r>
+            <a:r>
+              <a:rPr lang="en-US" dirty="0" err="1" smtClean="0"/>
+              <a:t>Jupyter</a:t>
+            </a:r>
+            <a:r>
+              <a:rPr lang="en-US" smtClean="0"/>
+              <a:t>!</a:t>
+            </a:r>
+            <a:endParaRPr lang="en-US" dirty="0"/>
+          </a:p>
+        </p:txBody>
+      </p:sp>
+    </p:spTree>
+    <p:extLst>
+      <p:ext uri="{BB962C8B-B14F-4D97-AF65-F5344CB8AC3E}">
+        <p14:creationId xmlns:p14="http://schemas.microsoft.com/office/powerpoint/2010/main" val="3177453033"/>
       </p:ext>
     </p:extLst>
   </p:cSld>
